--- a/Порядок МЭВ и.pptx
+++ b/Порядок МЭВ и.pptx
@@ -114,6 +114,11 @@
       </a:defRPr>
     </a:lvl9pPr>
   </p:defaultTextStyle>
+  <p:extLst>
+    <p:ext uri="{EFAFB233-063F-42B5-8137-9DF3F51BA10A}">
+      <p15:sldGuideLst xmlns:p15="http://schemas.microsoft.com/office/powerpoint/2012/main"/>
+    </p:ext>
+  </p:extLst>
 </p:presentation>
 </file>
 
@@ -3208,6 +3213,13 @@
         </dgm:presLayoutVars>
       </dgm:prSet>
       <dgm:spPr/>
+      <dgm:t>
+        <a:bodyPr/>
+        <a:lstStyle/>
+        <a:p>
+          <a:endParaRPr lang="ru-RU"/>
+        </a:p>
+      </dgm:t>
     </dgm:pt>
     <dgm:pt modelId="{D8BED863-7BA7-45BB-8E44-A6664E82996E}" type="pres">
       <dgm:prSet presAssocID="{F6B5994C-1809-4085-8122-457E6322B158}" presName="ribbon" presStyleLbl="node1" presStyleIdx="0" presStyleCnt="1" custLinFactNeighborX="18653" custLinFactNeighborY="-1725"/>
@@ -3445,6 +3457,13 @@
     <dgm:pt modelId="{472728A9-A3A7-4D75-822C-1C0774B351DD}" type="pres">
       <dgm:prSet presAssocID="{F15F8928-933B-4D60-A557-3F28896AC3CB}" presName="wedge2" presStyleLbl="node1" presStyleIdx="1" presStyleCnt="3"/>
       <dgm:spPr/>
+      <dgm:t>
+        <a:bodyPr/>
+        <a:lstStyle/>
+        <a:p>
+          <a:endParaRPr lang="ru-RU"/>
+        </a:p>
+      </dgm:t>
     </dgm:pt>
     <dgm:pt modelId="{1E255B02-3F6A-46AD-8997-38371EF7B11F}" type="pres">
       <dgm:prSet presAssocID="{F15F8928-933B-4D60-A557-3F28896AC3CB}" presName="dummy2a" presStyleCnt="0"/>
@@ -3463,6 +3482,13 @@
         </dgm:presLayoutVars>
       </dgm:prSet>
       <dgm:spPr/>
+      <dgm:t>
+        <a:bodyPr/>
+        <a:lstStyle/>
+        <a:p>
+          <a:endParaRPr lang="ru-RU"/>
+        </a:p>
+      </dgm:t>
     </dgm:pt>
     <dgm:pt modelId="{7B27F8CC-B7D0-4051-87BA-9BA8A0BFA67E}" type="pres">
       <dgm:prSet presAssocID="{F15F8928-933B-4D60-A557-3F28896AC3CB}" presName="wedge3" presStyleLbl="node1" presStyleIdx="2" presStyleCnt="3"/>
@@ -3752,6 +3778,13 @@
     <dgm:pt modelId="{85D5B812-E064-4CA5-9D3B-E647B2116A79}">
       <dgm:prSet/>
       <dgm:spPr/>
+      <dgm:t>
+        <a:bodyPr/>
+        <a:lstStyle/>
+        <a:p>
+          <a:endParaRPr lang="ru-RU"/>
+        </a:p>
+      </dgm:t>
     </dgm:pt>
     <dgm:pt modelId="{83FE0ADF-B9E5-4E56-9914-A338C5A8CC1E}" type="parTrans" cxnId="{BF988003-7872-4F4C-84B0-4C6EFC0CD46A}">
       <dgm:prSet/>
@@ -3778,6 +3811,13 @@
     <dgm:pt modelId="{5D54F441-D96E-4EDF-9160-DAC5A3BB8AAA}">
       <dgm:prSet/>
       <dgm:spPr/>
+      <dgm:t>
+        <a:bodyPr/>
+        <a:lstStyle/>
+        <a:p>
+          <a:endParaRPr lang="ru-RU"/>
+        </a:p>
+      </dgm:t>
     </dgm:pt>
     <dgm:pt modelId="{80D87061-07AF-482C-A8E0-78063601F439}" type="parTrans" cxnId="{9A330CBD-6979-4015-911E-7CEC35304E0A}">
       <dgm:prSet/>
@@ -3811,6 +3851,13 @@
         </dgm:presLayoutVars>
       </dgm:prSet>
       <dgm:spPr/>
+      <dgm:t>
+        <a:bodyPr/>
+        <a:lstStyle/>
+        <a:p>
+          <a:endParaRPr lang="ru-RU"/>
+        </a:p>
+      </dgm:t>
     </dgm:pt>
     <dgm:pt modelId="{13B08027-A629-4634-8311-A6AD34BEF259}" type="pres">
       <dgm:prSet presAssocID="{531127D3-1D33-4B02-A41E-2146A0298E6A}" presName="centerShape" presStyleLbl="node0" presStyleIdx="0" presStyleCnt="1" custScaleX="179535" custScaleY="172251"/>
@@ -3826,10 +3873,24 @@
     <dgm:pt modelId="{00CAC753-7FE8-44A8-B636-F2AA1FA0FC06}" type="pres">
       <dgm:prSet presAssocID="{4267D647-DB96-47D4-93B8-2B7FCB107739}" presName="parTrans" presStyleLbl="sibTrans2D1" presStyleIdx="0" presStyleCnt="4"/>
       <dgm:spPr/>
+      <dgm:t>
+        <a:bodyPr/>
+        <a:lstStyle/>
+        <a:p>
+          <a:endParaRPr lang="ru-RU"/>
+        </a:p>
+      </dgm:t>
     </dgm:pt>
     <dgm:pt modelId="{9E9F8AED-ED74-447C-B07D-A7445FED1126}" type="pres">
       <dgm:prSet presAssocID="{4267D647-DB96-47D4-93B8-2B7FCB107739}" presName="connectorText" presStyleLbl="sibTrans2D1" presStyleIdx="0" presStyleCnt="4"/>
       <dgm:spPr/>
+      <dgm:t>
+        <a:bodyPr/>
+        <a:lstStyle/>
+        <a:p>
+          <a:endParaRPr lang="ru-RU"/>
+        </a:p>
+      </dgm:t>
     </dgm:pt>
     <dgm:pt modelId="{44D35F23-B7D6-4848-868B-016CE3696F72}" type="pres">
       <dgm:prSet presAssocID="{C563C4EE-079E-4FD3-AE6A-D1D2E79BCDE3}" presName="node" presStyleLbl="node1" presStyleIdx="0" presStyleCnt="4">
@@ -3838,14 +3899,35 @@
         </dgm:presLayoutVars>
       </dgm:prSet>
       <dgm:spPr/>
+      <dgm:t>
+        <a:bodyPr/>
+        <a:lstStyle/>
+        <a:p>
+          <a:endParaRPr lang="ru-RU"/>
+        </a:p>
+      </dgm:t>
     </dgm:pt>
     <dgm:pt modelId="{4364F75F-7902-4C6E-87B8-99C404E8E8D9}" type="pres">
       <dgm:prSet presAssocID="{BF007C79-4EBE-48BC-9470-64E8C80622AD}" presName="parTrans" presStyleLbl="sibTrans2D1" presStyleIdx="1" presStyleCnt="4"/>
       <dgm:spPr/>
+      <dgm:t>
+        <a:bodyPr/>
+        <a:lstStyle/>
+        <a:p>
+          <a:endParaRPr lang="ru-RU"/>
+        </a:p>
+      </dgm:t>
     </dgm:pt>
     <dgm:pt modelId="{070D6CEB-782D-4CDB-8A9D-DB2CA7EF87A7}" type="pres">
       <dgm:prSet presAssocID="{BF007C79-4EBE-48BC-9470-64E8C80622AD}" presName="connectorText" presStyleLbl="sibTrans2D1" presStyleIdx="1" presStyleCnt="4"/>
       <dgm:spPr/>
+      <dgm:t>
+        <a:bodyPr/>
+        <a:lstStyle/>
+        <a:p>
+          <a:endParaRPr lang="ru-RU"/>
+        </a:p>
+      </dgm:t>
     </dgm:pt>
     <dgm:pt modelId="{2430BC79-A5D0-42A9-AB5A-318D54B70AB5}" type="pres">
       <dgm:prSet presAssocID="{FD01F655-BB05-48D8-B8C4-32B54311A80B}" presName="node" presStyleLbl="node1" presStyleIdx="1" presStyleCnt="4">
@@ -3854,14 +3936,35 @@
         </dgm:presLayoutVars>
       </dgm:prSet>
       <dgm:spPr/>
+      <dgm:t>
+        <a:bodyPr/>
+        <a:lstStyle/>
+        <a:p>
+          <a:endParaRPr lang="ru-RU"/>
+        </a:p>
+      </dgm:t>
     </dgm:pt>
     <dgm:pt modelId="{17317ED6-076E-4E93-A358-62D7712B7956}" type="pres">
       <dgm:prSet presAssocID="{2FB3A7AC-117B-4B23-96A4-2FC36891DE41}" presName="parTrans" presStyleLbl="sibTrans2D1" presStyleIdx="2" presStyleCnt="4"/>
       <dgm:spPr/>
+      <dgm:t>
+        <a:bodyPr/>
+        <a:lstStyle/>
+        <a:p>
+          <a:endParaRPr lang="ru-RU"/>
+        </a:p>
+      </dgm:t>
     </dgm:pt>
     <dgm:pt modelId="{E1AF5F94-05C0-4B71-AD50-997F66F46444}" type="pres">
       <dgm:prSet presAssocID="{2FB3A7AC-117B-4B23-96A4-2FC36891DE41}" presName="connectorText" presStyleLbl="sibTrans2D1" presStyleIdx="2" presStyleCnt="4"/>
       <dgm:spPr/>
+      <dgm:t>
+        <a:bodyPr/>
+        <a:lstStyle/>
+        <a:p>
+          <a:endParaRPr lang="ru-RU"/>
+        </a:p>
+      </dgm:t>
     </dgm:pt>
     <dgm:pt modelId="{20E25DA5-3818-49AF-8125-FDD036A4D9B1}" type="pres">
       <dgm:prSet presAssocID="{37AC1314-B64F-48C3-BF50-12B0E77B434D}" presName="node" presStyleLbl="node1" presStyleIdx="2" presStyleCnt="4">
@@ -3870,14 +3973,35 @@
         </dgm:presLayoutVars>
       </dgm:prSet>
       <dgm:spPr/>
+      <dgm:t>
+        <a:bodyPr/>
+        <a:lstStyle/>
+        <a:p>
+          <a:endParaRPr lang="ru-RU"/>
+        </a:p>
+      </dgm:t>
     </dgm:pt>
     <dgm:pt modelId="{7EAEF95E-5D74-4EF3-99D2-31AAF0CDD9BA}" type="pres">
       <dgm:prSet presAssocID="{655A4200-784B-402F-BA42-566B5A9A86D0}" presName="parTrans" presStyleLbl="sibTrans2D1" presStyleIdx="3" presStyleCnt="4"/>
       <dgm:spPr/>
+      <dgm:t>
+        <a:bodyPr/>
+        <a:lstStyle/>
+        <a:p>
+          <a:endParaRPr lang="ru-RU"/>
+        </a:p>
+      </dgm:t>
     </dgm:pt>
     <dgm:pt modelId="{B8C08009-4F16-4CBC-B557-C19218B0DCAD}" type="pres">
       <dgm:prSet presAssocID="{655A4200-784B-402F-BA42-566B5A9A86D0}" presName="connectorText" presStyleLbl="sibTrans2D1" presStyleIdx="3" presStyleCnt="4"/>
       <dgm:spPr/>
+      <dgm:t>
+        <a:bodyPr/>
+        <a:lstStyle/>
+        <a:p>
+          <a:endParaRPr lang="ru-RU"/>
+        </a:p>
+      </dgm:t>
     </dgm:pt>
     <dgm:pt modelId="{218DFE11-B4DD-44E7-B000-30AF26BEE0BB}" type="pres">
       <dgm:prSet presAssocID="{3AF35A0C-7D6E-4269-8F6F-68FF8AB419D4}" presName="node" presStyleLbl="node1" presStyleIdx="3" presStyleCnt="4">
@@ -4093,6 +4217,13 @@
         </dgm:presLayoutVars>
       </dgm:prSet>
       <dgm:spPr/>
+      <dgm:t>
+        <a:bodyPr/>
+        <a:lstStyle/>
+        <a:p>
+          <a:endParaRPr lang="ru-RU"/>
+        </a:p>
+      </dgm:t>
     </dgm:pt>
     <dgm:pt modelId="{EFFE4C53-F25D-44A9-BBAD-E749E522FC87}" type="pres">
       <dgm:prSet presAssocID="{E3CD88CB-EC3E-467B-BF17-EB019D9D2C3F}" presName="dummyMaxCanvas" presStyleCnt="0">
@@ -4152,6 +4283,13 @@
         </dgm:presLayoutVars>
       </dgm:prSet>
       <dgm:spPr/>
+      <dgm:t>
+        <a:bodyPr/>
+        <a:lstStyle/>
+        <a:p>
+          <a:endParaRPr lang="ru-RU"/>
+        </a:p>
+      </dgm:t>
     </dgm:pt>
     <dgm:pt modelId="{A68953B5-A22F-4D2D-B803-2AB5D8CFFA91}" type="pres">
       <dgm:prSet presAssocID="{E3CD88CB-EC3E-467B-BF17-EB019D9D2C3F}" presName="ThreeConn_2-3" presStyleLbl="fgAccFollowNode1" presStyleIdx="1" presStyleCnt="2">
@@ -4160,6 +4298,13 @@
         </dgm:presLayoutVars>
       </dgm:prSet>
       <dgm:spPr/>
+      <dgm:t>
+        <a:bodyPr/>
+        <a:lstStyle/>
+        <a:p>
+          <a:endParaRPr lang="ru-RU"/>
+        </a:p>
+      </dgm:t>
     </dgm:pt>
     <dgm:pt modelId="{0129B6F2-8048-429D-8E5E-A52C97424E6D}" type="pres">
       <dgm:prSet presAssocID="{E3CD88CB-EC3E-467B-BF17-EB019D9D2C3F}" presName="ThreeNodes_1_text" presStyleLbl="node1" presStyleIdx="2" presStyleCnt="3">
@@ -4208,18 +4353,18 @@
     </dgm:pt>
   </dgm:ptLst>
   <dgm:cxnLst>
+    <dgm:cxn modelId="{6ED35078-9DD3-4D8A-A1DB-B8B8CE31180F}" type="presOf" srcId="{CF44B354-E473-4FE9-8BCA-3371E9FDD72B}" destId="{0129B6F2-8048-429D-8E5E-A52C97424E6D}" srcOrd="1" destOrd="0" presId="urn:microsoft.com/office/officeart/2005/8/layout/vProcess5"/>
+    <dgm:cxn modelId="{FFFFEB90-7157-42C6-AE8D-93F93EB85CB5}" srcId="{E3CD88CB-EC3E-467B-BF17-EB019D9D2C3F}" destId="{CF44B354-E473-4FE9-8BCA-3371E9FDD72B}" srcOrd="0" destOrd="0" parTransId="{1F95C0D8-2A52-482A-8F01-7DC4ED5331BE}" sibTransId="{33A1C1D0-07B2-4CCF-9F2D-CA46DCC501FD}"/>
+    <dgm:cxn modelId="{5B835EA4-2EC5-4628-B570-96D8E93E6A14}" type="presOf" srcId="{00673E74-267A-4A30-B7EE-0B03DFC493E5}" destId="{05F605B7-E440-47B2-A82D-14CFDC28654F}" srcOrd="0" destOrd="0" presId="urn:microsoft.com/office/officeart/2005/8/layout/vProcess5"/>
+    <dgm:cxn modelId="{F596F596-36A3-4A7D-9D22-A2D142F65652}" srcId="{E3CD88CB-EC3E-467B-BF17-EB019D9D2C3F}" destId="{00673E74-267A-4A30-B7EE-0B03DFC493E5}" srcOrd="2" destOrd="0" parTransId="{F22D2D7B-89C5-42B1-83D6-762602B944C0}" sibTransId="{12B62C2A-DB41-4531-8C4B-ADAD7A94B85A}"/>
+    <dgm:cxn modelId="{EA57EFCE-4C24-4808-86AC-41E4BBD21651}" type="presOf" srcId="{31301CE2-B96A-44A1-BD7D-791B95B48566}" destId="{A68953B5-A22F-4D2D-B803-2AB5D8CFFA91}" srcOrd="0" destOrd="0" presId="urn:microsoft.com/office/officeart/2005/8/layout/vProcess5"/>
+    <dgm:cxn modelId="{88BB331F-CC75-4837-B8EB-A1F2972E42E8}" type="presOf" srcId="{CF44B354-E473-4FE9-8BCA-3371E9FDD72B}" destId="{6AC3A431-1803-444B-BE1D-5E14BAA39831}" srcOrd="0" destOrd="0" presId="urn:microsoft.com/office/officeart/2005/8/layout/vProcess5"/>
+    <dgm:cxn modelId="{BEBAB009-075D-4AF9-ADA7-486C10DB9707}" type="presOf" srcId="{B6A19497-1862-4B38-B27D-9B8D0AEFBC53}" destId="{CA564D97-DB65-459E-8BD6-96E29A11640E}" srcOrd="0" destOrd="0" presId="urn:microsoft.com/office/officeart/2005/8/layout/vProcess5"/>
+    <dgm:cxn modelId="{C85602A3-CBB0-451C-8859-FB6B7C449549}" type="presOf" srcId="{00673E74-267A-4A30-B7EE-0B03DFC493E5}" destId="{27757278-B11B-4523-BB5F-1C1AEF358217}" srcOrd="1" destOrd="0" presId="urn:microsoft.com/office/officeart/2005/8/layout/vProcess5"/>
     <dgm:cxn modelId="{3172B803-02C9-4E79-B201-D029F776A91B}" type="presOf" srcId="{33A1C1D0-07B2-4CCF-9F2D-CA46DCC501FD}" destId="{FF1CAE34-2B57-41C7-8529-C8FB346256CB}" srcOrd="0" destOrd="0" presId="urn:microsoft.com/office/officeart/2005/8/layout/vProcess5"/>
+    <dgm:cxn modelId="{8075A9C2-4710-4BD1-A1A0-3FC3460A5AD3}" type="presOf" srcId="{B6A19497-1862-4B38-B27D-9B8D0AEFBC53}" destId="{95CC8A6F-AD36-4D44-9A7D-31E4DA4C1C12}" srcOrd="1" destOrd="0" presId="urn:microsoft.com/office/officeart/2005/8/layout/vProcess5"/>
     <dgm:cxn modelId="{221D5577-AC9B-4407-B0EC-7563578B1F01}" type="presOf" srcId="{E3CD88CB-EC3E-467B-BF17-EB019D9D2C3F}" destId="{23B27E21-4C8F-46AA-9900-71781686CF45}" srcOrd="0" destOrd="0" presId="urn:microsoft.com/office/officeart/2005/8/layout/vProcess5"/>
-    <dgm:cxn modelId="{6ED35078-9DD3-4D8A-A1DB-B8B8CE31180F}" type="presOf" srcId="{CF44B354-E473-4FE9-8BCA-3371E9FDD72B}" destId="{0129B6F2-8048-429D-8E5E-A52C97424E6D}" srcOrd="1" destOrd="0" presId="urn:microsoft.com/office/officeart/2005/8/layout/vProcess5"/>
-    <dgm:cxn modelId="{EA57EFCE-4C24-4808-86AC-41E4BBD21651}" type="presOf" srcId="{31301CE2-B96A-44A1-BD7D-791B95B48566}" destId="{A68953B5-A22F-4D2D-B803-2AB5D8CFFA91}" srcOrd="0" destOrd="0" presId="urn:microsoft.com/office/officeart/2005/8/layout/vProcess5"/>
     <dgm:cxn modelId="{D8BCA2C6-4CCE-41D7-999A-2F8652B8A571}" srcId="{E3CD88CB-EC3E-467B-BF17-EB019D9D2C3F}" destId="{B6A19497-1862-4B38-B27D-9B8D0AEFBC53}" srcOrd="1" destOrd="0" parTransId="{AE74D167-F8A1-4F93-A009-A5841C1055C4}" sibTransId="{31301CE2-B96A-44A1-BD7D-791B95B48566}"/>
-    <dgm:cxn modelId="{88BB331F-CC75-4837-B8EB-A1F2972E42E8}" type="presOf" srcId="{CF44B354-E473-4FE9-8BCA-3371E9FDD72B}" destId="{6AC3A431-1803-444B-BE1D-5E14BAA39831}" srcOrd="0" destOrd="0" presId="urn:microsoft.com/office/officeart/2005/8/layout/vProcess5"/>
-    <dgm:cxn modelId="{F596F596-36A3-4A7D-9D22-A2D142F65652}" srcId="{E3CD88CB-EC3E-467B-BF17-EB019D9D2C3F}" destId="{00673E74-267A-4A30-B7EE-0B03DFC493E5}" srcOrd="2" destOrd="0" parTransId="{F22D2D7B-89C5-42B1-83D6-762602B944C0}" sibTransId="{12B62C2A-DB41-4531-8C4B-ADAD7A94B85A}"/>
-    <dgm:cxn modelId="{C85602A3-CBB0-451C-8859-FB6B7C449549}" type="presOf" srcId="{00673E74-267A-4A30-B7EE-0B03DFC493E5}" destId="{27757278-B11B-4523-BB5F-1C1AEF358217}" srcOrd="1" destOrd="0" presId="urn:microsoft.com/office/officeart/2005/8/layout/vProcess5"/>
-    <dgm:cxn modelId="{5B835EA4-2EC5-4628-B570-96D8E93E6A14}" type="presOf" srcId="{00673E74-267A-4A30-B7EE-0B03DFC493E5}" destId="{05F605B7-E440-47B2-A82D-14CFDC28654F}" srcOrd="0" destOrd="0" presId="urn:microsoft.com/office/officeart/2005/8/layout/vProcess5"/>
-    <dgm:cxn modelId="{FFFFEB90-7157-42C6-AE8D-93F93EB85CB5}" srcId="{E3CD88CB-EC3E-467B-BF17-EB019D9D2C3F}" destId="{CF44B354-E473-4FE9-8BCA-3371E9FDD72B}" srcOrd="0" destOrd="0" parTransId="{1F95C0D8-2A52-482A-8F01-7DC4ED5331BE}" sibTransId="{33A1C1D0-07B2-4CCF-9F2D-CA46DCC501FD}"/>
-    <dgm:cxn modelId="{8075A9C2-4710-4BD1-A1A0-3FC3460A5AD3}" type="presOf" srcId="{B6A19497-1862-4B38-B27D-9B8D0AEFBC53}" destId="{95CC8A6F-AD36-4D44-9A7D-31E4DA4C1C12}" srcOrd="1" destOrd="0" presId="urn:microsoft.com/office/officeart/2005/8/layout/vProcess5"/>
-    <dgm:cxn modelId="{BEBAB009-075D-4AF9-ADA7-486C10DB9707}" type="presOf" srcId="{B6A19497-1862-4B38-B27D-9B8D0AEFBC53}" destId="{CA564D97-DB65-459E-8BD6-96E29A11640E}" srcOrd="0" destOrd="0" presId="urn:microsoft.com/office/officeart/2005/8/layout/vProcess5"/>
     <dgm:cxn modelId="{530F9EFB-C376-4571-B6F7-AD4D18885AB1}" type="presParOf" srcId="{23B27E21-4C8F-46AA-9900-71781686CF45}" destId="{EFFE4C53-F25D-44A9-BBAD-E749E522FC87}" srcOrd="0" destOrd="0" presId="urn:microsoft.com/office/officeart/2005/8/layout/vProcess5"/>
     <dgm:cxn modelId="{F2D84FF2-A27E-4F62-A47B-F2FAF9482214}" type="presParOf" srcId="{23B27E21-4C8F-46AA-9900-71781686CF45}" destId="{6AC3A431-1803-444B-BE1D-5E14BAA39831}" srcOrd="1" destOrd="0" presId="urn:microsoft.com/office/officeart/2005/8/layout/vProcess5"/>
     <dgm:cxn modelId="{C16C655F-95D1-491A-9C3A-511463CAC332}" type="presParOf" srcId="{23B27E21-4C8F-46AA-9900-71781686CF45}" destId="{CA564D97-DB65-459E-8BD6-96E29A11640E}" srcOrd="2" destOrd="0" presId="urn:microsoft.com/office/officeart/2005/8/layout/vProcess5"/>
@@ -13626,7 +13771,7 @@
           <a:p>
             <a:fld id="{4B7F8796-48B6-403C-AE83-82ABAE91BE43}" type="datetimeFigureOut">
               <a:rPr lang="ru-RU" smtClean="0"/>
-              <a:t>30.05.2019</a:t>
+              <a:t>31.05.2019</a:t>
             </a:fld>
             <a:endParaRPr lang="ru-RU"/>
           </a:p>
@@ -13796,7 +13941,7 @@
           <a:p>
             <a:fld id="{4B7F8796-48B6-403C-AE83-82ABAE91BE43}" type="datetimeFigureOut">
               <a:rPr lang="ru-RU" smtClean="0"/>
-              <a:t>30.05.2019</a:t>
+              <a:t>31.05.2019</a:t>
             </a:fld>
             <a:endParaRPr lang="ru-RU"/>
           </a:p>
@@ -13976,7 +14121,7 @@
           <a:p>
             <a:fld id="{4B7F8796-48B6-403C-AE83-82ABAE91BE43}" type="datetimeFigureOut">
               <a:rPr lang="ru-RU" smtClean="0"/>
-              <a:t>30.05.2019</a:t>
+              <a:t>31.05.2019</a:t>
             </a:fld>
             <a:endParaRPr lang="ru-RU"/>
           </a:p>
@@ -14146,7 +14291,7 @@
           <a:p>
             <a:fld id="{4B7F8796-48B6-403C-AE83-82ABAE91BE43}" type="datetimeFigureOut">
               <a:rPr lang="ru-RU" smtClean="0"/>
-              <a:t>30.05.2019</a:t>
+              <a:t>31.05.2019</a:t>
             </a:fld>
             <a:endParaRPr lang="ru-RU"/>
           </a:p>
@@ -14392,7 +14537,7 @@
           <a:p>
             <a:fld id="{4B7F8796-48B6-403C-AE83-82ABAE91BE43}" type="datetimeFigureOut">
               <a:rPr lang="ru-RU" smtClean="0"/>
-              <a:t>30.05.2019</a:t>
+              <a:t>31.05.2019</a:t>
             </a:fld>
             <a:endParaRPr lang="ru-RU"/>
           </a:p>
@@ -14624,7 +14769,7 @@
           <a:p>
             <a:fld id="{4B7F8796-48B6-403C-AE83-82ABAE91BE43}" type="datetimeFigureOut">
               <a:rPr lang="ru-RU" smtClean="0"/>
-              <a:t>30.05.2019</a:t>
+              <a:t>31.05.2019</a:t>
             </a:fld>
             <a:endParaRPr lang="ru-RU"/>
           </a:p>
@@ -14991,7 +15136,7 @@
           <a:p>
             <a:fld id="{4B7F8796-48B6-403C-AE83-82ABAE91BE43}" type="datetimeFigureOut">
               <a:rPr lang="ru-RU" smtClean="0"/>
-              <a:t>30.05.2019</a:t>
+              <a:t>31.05.2019</a:t>
             </a:fld>
             <a:endParaRPr lang="ru-RU"/>
           </a:p>
@@ -15109,7 +15254,7 @@
           <a:p>
             <a:fld id="{4B7F8796-48B6-403C-AE83-82ABAE91BE43}" type="datetimeFigureOut">
               <a:rPr lang="ru-RU" smtClean="0"/>
-              <a:t>30.05.2019</a:t>
+              <a:t>31.05.2019</a:t>
             </a:fld>
             <a:endParaRPr lang="ru-RU"/>
           </a:p>
@@ -15204,7 +15349,7 @@
           <a:p>
             <a:fld id="{4B7F8796-48B6-403C-AE83-82ABAE91BE43}" type="datetimeFigureOut">
               <a:rPr lang="ru-RU" smtClean="0"/>
-              <a:t>30.05.2019</a:t>
+              <a:t>31.05.2019</a:t>
             </a:fld>
             <a:endParaRPr lang="ru-RU"/>
           </a:p>
@@ -15481,7 +15626,7 @@
           <a:p>
             <a:fld id="{4B7F8796-48B6-403C-AE83-82ABAE91BE43}" type="datetimeFigureOut">
               <a:rPr lang="ru-RU" smtClean="0"/>
-              <a:t>30.05.2019</a:t>
+              <a:t>31.05.2019</a:t>
             </a:fld>
             <a:endParaRPr lang="ru-RU"/>
           </a:p>
@@ -15734,7 +15879,7 @@
           <a:p>
             <a:fld id="{4B7F8796-48B6-403C-AE83-82ABAE91BE43}" type="datetimeFigureOut">
               <a:rPr lang="ru-RU" smtClean="0"/>
-              <a:t>30.05.2019</a:t>
+              <a:t>31.05.2019</a:t>
             </a:fld>
             <a:endParaRPr lang="ru-RU"/>
           </a:p>
@@ -15947,7 +16092,7 @@
           <a:p>
             <a:fld id="{4B7F8796-48B6-403C-AE83-82ABAE91BE43}" type="datetimeFigureOut">
               <a:rPr lang="ru-RU" smtClean="0"/>
-              <a:t>30.05.2019</a:t>
+              <a:t>31.05.2019</a:t>
             </a:fld>
             <a:endParaRPr lang="ru-RU"/>
           </a:p>
@@ -16364,7 +16509,7 @@
         </p:nvSpPr>
         <p:spPr>
           <a:xfrm>
-            <a:off x="1594339" y="2408238"/>
+            <a:off x="1752601" y="1458669"/>
             <a:ext cx="9144000" cy="2387600"/>
           </a:xfrm>
         </p:spPr>
@@ -16388,19 +16533,52 @@
       </p:sp>
       <p:sp>
         <p:nvSpPr>
-          <p:cNvPr id="3" name="Подзаголовок 2"/>
-          <p:cNvSpPr>
-            <a:spLocks noGrp="1"/>
-          </p:cNvSpPr>
-          <p:nvPr>
-            <p:ph type="subTitle" idx="1"/>
-          </p:nvPr>
+          <p:cNvPr id="4" name="Прямоугольник 3"/>
+          <p:cNvSpPr/>
+          <p:nvPr/>
         </p:nvSpPr>
-        <p:spPr/>
+        <p:spPr>
+          <a:xfrm>
+            <a:off x="618393" y="4026520"/>
+            <a:ext cx="11412415" cy="2585323"/>
+          </a:xfrm>
+          <a:prstGeom prst="rect">
+            <a:avLst/>
+          </a:prstGeom>
+        </p:spPr>
         <p:txBody>
-          <a:bodyPr/>
+          <a:bodyPr wrap="square">
+            <a:spAutoFit/>
+          </a:bodyPr>
           <a:lstStyle/>
           <a:p>
+            <a:r>
+              <a:rPr lang="ru-RU" b="1" dirty="0" smtClean="0">
+                <a:solidFill>
+                  <a:srgbClr val="000000"/>
+                </a:solidFill>
+                <a:latin typeface="Times New Roman" panose="02020603050405020304" pitchFamily="18" charset="0"/>
+              </a:rPr>
+              <a:t>Система </a:t>
+            </a:r>
+            <a:r>
+              <a:rPr lang="ru-RU" b="1" dirty="0">
+                <a:solidFill>
+                  <a:srgbClr val="000000"/>
+                </a:solidFill>
+                <a:latin typeface="Times New Roman" panose="02020603050405020304" pitchFamily="18" charset="0"/>
+              </a:rPr>
+              <a:t>межведомственного электронного взаимодействия (СМЭВ)</a:t>
+            </a:r>
+            <a:r>
+              <a:rPr lang="ru-RU" dirty="0">
+                <a:solidFill>
+                  <a:srgbClr val="000000"/>
+                </a:solidFill>
+                <a:latin typeface="Times New Roman" panose="02020603050405020304" pitchFamily="18" charset="0"/>
+              </a:rPr>
+              <a:t> представляет собой федеральную государственную информационную систему, включающую информационные базы данных, в том числе содержащие сведения об используемых органами и организациями программных и технических средствах, обеспечивающих возможность доступа через систему взаимодействия к их информационным системам, сведения об истории движения в системе взаимодействия электронных сообщений при предоставлении государственных и муниципальных услуг, исполнении государственных и муниципальных функций в электронной форме, а также программные и технические средства, обеспечивающие взаимодействие информационных систем органов и организаций, используемых при предоставлении в электронной форме государственных и муниципальных услуг и исполнении государственных и муниципальных функций.</a:t>
+            </a:r>
             <a:endParaRPr lang="ru-RU" dirty="0"/>
           </a:p>
         </p:txBody>
@@ -17068,11 +17246,7 @@
             <a:pPr algn="ctr"/>
             <a:r>
               <a:rPr lang="ru-RU" sz="2500" dirty="0" smtClean="0"/>
-              <a:t>Обмен данными через СМЭВ </a:t>
-            </a:r>
-            <a:r>
-              <a:rPr lang="ru-RU" sz="2500" dirty="0" smtClean="0"/>
-              <a:t>органы власти ведут в двух направлениях</a:t>
+              <a:t>Обмен данными через СМЭВ органы власти ведут в двух направлениях</a:t>
             </a:r>
             <a:endParaRPr lang="ru-RU" sz="2500" dirty="0"/>
           </a:p>
@@ -17581,6 +17755,9 @@
           <a:bodyPr/>
           <a:lstStyle/>
           <a:p>
+            <a:pPr marL="0" indent="0">
+              <a:buNone/>
+            </a:pPr>
             <a:r>
               <a:rPr lang="ru-RU" b="1" dirty="0"/>
               <a:t>Технологическая карта межведомственного взаимодействия</a:t>
@@ -17841,11 +18018,7 @@
             </a:r>
             <a:r>
               <a:rPr lang="ru-RU" dirty="0"/>
-              <a:t>поставщиком услуги, в рамках которой осуществляется межведомственное взаимодействие, на основании </a:t>
-            </a:r>
-            <a:r>
-              <a:rPr lang="ru-RU" dirty="0"/>
-              <a:t>шаблона ТКМВ.</a:t>
+              <a:t>поставщиком услуги, в рамках которой осуществляется межведомственное взаимодействие, на основании шаблона ТКМВ.</a:t>
             </a:r>
           </a:p>
           <a:p>
